--- a/AECM in WebRTC_v2.1.pptx
+++ b/AECM in WebRTC_v2.1.pptx
@@ -20596,7 +20596,11 @@
             <a:pPr lvl="1"/>
             <a:r>
               <a:rPr lang="zh-CN" altLang="en-US" sz="1400" dirty="0" smtClean="0"/>
-              <a:t>理解佳路的新算法，并考虑如何集成到</a:t>
+              <a:t>理解新</a:t>
+            </a:r>
+            <a:r>
+              <a:rPr lang="zh-CN" altLang="en-US" sz="1400" dirty="0" smtClean="0"/>
+              <a:t>算法，并考虑如何集成到</a:t>
             </a:r>
             <a:r>
               <a:rPr lang="en-US" altLang="zh-CN" sz="1400" dirty="0" smtClean="0"/>
@@ -20723,15 +20727,7 @@
             </a:r>
             <a:r>
               <a:rPr lang="zh-CN" altLang="en-US" sz="1200" dirty="0" smtClean="0"/>
-              <a:t>的基础上做运算速度</a:t>
-            </a:r>
-            <a:r>
-              <a:rPr lang="zh-CN" altLang="en-US" sz="1200" smtClean="0"/>
-              <a:t>优化</a:t>
-            </a:r>
-            <a:r>
-              <a:rPr lang="zh-CN" altLang="en-US" sz="1200" smtClean="0"/>
-              <a:t>的</a:t>
+              <a:t>的基础上做运算速度优化的</a:t>
             </a:r>
             <a:endParaRPr lang="en-US" altLang="zh-CN" sz="1200" dirty="0" smtClean="0"/>
           </a:p>
@@ -27967,56 +27963,26 @@
             <a:r>
               <a:rPr lang="en-US" altLang="zh-CN" sz="1200" dirty="0" err="1" smtClean="0">
                 <a:solidFill>
-                  <a:srgbClr val="FF0000"/>
-                </a:solidFill>
-              </a:rPr>
-              <a:t>RecThread</a:t>
+                  <a:srgbClr val="00B050"/>
+                </a:solidFill>
+              </a:rPr>
+              <a:t>RTP_Heart_Beat_Thread</a:t>
             </a:r>
             <a:r>
               <a:rPr lang="en-US" altLang="zh-CN" sz="1200" dirty="0" smtClean="0">
                 <a:solidFill>
-                  <a:srgbClr val="FF0000"/>
-                </a:solidFill>
-              </a:rPr>
-              <a:t>  // not in engine code yet</a:t>
-            </a:r>
-          </a:p>
-          <a:p>
-            <a:pPr lvl="1"/>
-            <a:r>
-              <a:rPr lang="en-US" altLang="zh-CN" sz="1200" dirty="0" err="1" smtClean="0">
-                <a:solidFill>
-                  <a:srgbClr val="FF0000"/>
-                </a:solidFill>
-              </a:rPr>
-              <a:t>PlayThread</a:t>
+                  <a:srgbClr val="00B050"/>
+                </a:solidFill>
+              </a:rPr>
+              <a:t>  </a:t>
             </a:r>
             <a:r>
               <a:rPr lang="en-US" altLang="zh-CN" sz="1200" dirty="0" smtClean="0">
                 <a:solidFill>
-                  <a:srgbClr val="FF0000"/>
-                </a:solidFill>
-              </a:rPr>
-              <a:t> // not in engine code yet </a:t>
-            </a:r>
-          </a:p>
-          <a:p>
-            <a:pPr lvl="1"/>
-            <a:r>
-              <a:rPr lang="en-US" altLang="zh-CN" sz="1200" dirty="0" err="1" smtClean="0">
-                <a:solidFill>
                   <a:srgbClr val="00B050"/>
                 </a:solidFill>
               </a:rPr>
-              <a:t>RTP_Heart_Beat_Thread</a:t>
-            </a:r>
-            <a:r>
-              <a:rPr lang="en-US" altLang="zh-CN" sz="1200" dirty="0" smtClean="0">
-                <a:solidFill>
-                  <a:srgbClr val="00B050"/>
-                </a:solidFill>
-              </a:rPr>
-              <a:t>  (single_room_engine.cc:213) // twice</a:t>
+              <a:t>(single_room_engine.cc:213) // twice</a:t>
             </a:r>
           </a:p>
           <a:p>
@@ -28096,7 +28062,11 @@
             </a:r>
             <a:r>
               <a:rPr lang="en-US" altLang="zh-CN" sz="1200" dirty="0" smtClean="0"/>
-              <a:t> // not in engine code yet</a:t>
+              <a:t> // </a:t>
+            </a:r>
+            <a:r>
+              <a:rPr lang="en-US" altLang="zh-CN" sz="1200" dirty="0" smtClean="0"/>
+              <a:t>used for network testing</a:t>
             </a:r>
             <a:endParaRPr lang="en-US" altLang="zh-CN" sz="1200" dirty="0"/>
           </a:p>
